--- a/app/docs/GUI Flow Diagram.pptx
+++ b/app/docs/GUI Flow Diagram.pptx
@@ -10,7 +10,7 @@
   <p:sldIdLst>
     <p:sldId id="256" r:id="rId2"/>
   </p:sldIdLst>
-  <p:sldSz cx="9144000" cy="6858000" type="screen4x3"/>
+  <p:sldSz cx="12192000" cy="6858000"/>
   <p:notesSz cx="6858000" cy="9144000"/>
   <p:defaultTextStyle>
     <a:defPPr>
@@ -107,6 +107,22 @@
       </a:defRPr>
     </a:lvl9pPr>
   </p:defaultTextStyle>
+  <p:extLst>
+    <p:ext uri="{EFAFB233-063F-42B5-8137-9DF3F51BA10A}">
+      <p15:sldGuideLst xmlns:p15="http://schemas.microsoft.com/office/powerpoint/2012/main">
+        <p15:guide id="1" orient="horz" pos="2160" userDrawn="1">
+          <p15:clr>
+            <a:srgbClr val="A4A3A4"/>
+          </p15:clr>
+        </p15:guide>
+        <p15:guide id="2" pos="3840" userDrawn="1">
+          <p15:clr>
+            <a:srgbClr val="A4A3A4"/>
+          </p15:clr>
+        </p15:guide>
+      </p15:sldGuideLst>
+    </p:ext>
+  </p:extLst>
 </p:presentation>
 </file>
 
@@ -192,7 +208,7 @@
           <a:p>
             <a:fld id="{16048D4D-BF89-3541-83F9-D3176518FE28}" type="datetimeFigureOut">
               <a:rPr lang="en-US" smtClean="0"/>
-              <a:t>5/2/17</a:t>
+              <a:t>5/2/2017</a:t>
             </a:fld>
             <a:endParaRPr lang="en-US"/>
           </a:p>
@@ -210,8 +226,8 @@
         </p:nvSpPr>
         <p:spPr>
           <a:xfrm>
-            <a:off x="1143000" y="685800"/>
-            <a:ext cx="4572000" cy="3429000"/>
+            <a:off x="381000" y="685800"/>
+            <a:ext cx="6096000" cy="3429000"/>
           </a:xfrm>
           <a:prstGeom prst="rect">
             <a:avLst/>
@@ -487,7 +503,12 @@
             <p:ph type="sldImg"/>
           </p:nvPr>
         </p:nvSpPr>
-        <p:spPr/>
+        <p:spPr>
+          <a:xfrm>
+            <a:off x="381000" y="685800"/>
+            <a:ext cx="6096000" cy="3429000"/>
+          </a:xfrm>
+        </p:spPr>
       </p:sp>
       <p:sp>
         <p:nvSpPr>
@@ -591,8 +612,8 @@
         </p:nvSpPr>
         <p:spPr>
           <a:xfrm>
-            <a:off x="685800" y="2130425"/>
-            <a:ext cx="7772400" cy="1470025"/>
+            <a:off x="914400" y="2130426"/>
+            <a:ext cx="10363200" cy="1470025"/>
           </a:xfrm>
         </p:spPr>
         <p:txBody>
@@ -619,8 +640,8 @@
         </p:nvSpPr>
         <p:spPr>
           <a:xfrm>
-            <a:off x="1371600" y="3886200"/>
-            <a:ext cx="6400800" cy="1752600"/>
+            <a:off x="1828800" y="3886200"/>
+            <a:ext cx="8534400" cy="1752600"/>
           </a:xfrm>
         </p:spPr>
         <p:txBody>
@@ -743,7 +764,7 @@
           <a:p>
             <a:fld id="{1746D216-440C-944C-B16E-24685969B020}" type="datetimeFigureOut">
               <a:rPr lang="en-US" smtClean="0"/>
-              <a:t>5/2/17</a:t>
+              <a:t>5/2/2017</a:t>
             </a:fld>
             <a:endParaRPr lang="en-US"/>
           </a:p>
@@ -913,7 +934,7 @@
           <a:p>
             <a:fld id="{1746D216-440C-944C-B16E-24685969B020}" type="datetimeFigureOut">
               <a:rPr lang="en-US" smtClean="0"/>
-              <a:t>5/2/17</a:t>
+              <a:t>5/2/2017</a:t>
             </a:fld>
             <a:endParaRPr lang="en-US"/>
           </a:p>
@@ -1003,8 +1024,8 @@
         </p:nvSpPr>
         <p:spPr>
           <a:xfrm>
-            <a:off x="6629400" y="274638"/>
-            <a:ext cx="2057400" cy="5851525"/>
+            <a:off x="8839200" y="274639"/>
+            <a:ext cx="2743200" cy="5851525"/>
           </a:xfrm>
         </p:spPr>
         <p:txBody>
@@ -1031,8 +1052,8 @@
         </p:nvSpPr>
         <p:spPr>
           <a:xfrm>
-            <a:off x="457200" y="274638"/>
-            <a:ext cx="6019800" cy="5851525"/>
+            <a:off x="609600" y="274639"/>
+            <a:ext cx="8026400" cy="5851525"/>
           </a:xfrm>
         </p:spPr>
         <p:txBody>
@@ -1093,7 +1114,7 @@
           <a:p>
             <a:fld id="{1746D216-440C-944C-B16E-24685969B020}" type="datetimeFigureOut">
               <a:rPr lang="en-US" smtClean="0"/>
-              <a:t>5/2/17</a:t>
+              <a:t>5/2/2017</a:t>
             </a:fld>
             <a:endParaRPr lang="en-US"/>
           </a:p>
@@ -1263,7 +1284,7 @@
           <a:p>
             <a:fld id="{1746D216-440C-944C-B16E-24685969B020}" type="datetimeFigureOut">
               <a:rPr lang="en-US" smtClean="0"/>
-              <a:t>5/2/17</a:t>
+              <a:t>5/2/2017</a:t>
             </a:fld>
             <a:endParaRPr lang="en-US"/>
           </a:p>
@@ -1353,8 +1374,8 @@
         </p:nvSpPr>
         <p:spPr>
           <a:xfrm>
-            <a:off x="722313" y="4406900"/>
-            <a:ext cx="7772400" cy="1362075"/>
+            <a:off x="963084" y="4406901"/>
+            <a:ext cx="10363200" cy="1362075"/>
           </a:xfrm>
         </p:spPr>
         <p:txBody>
@@ -1385,8 +1406,8 @@
         </p:nvSpPr>
         <p:spPr>
           <a:xfrm>
-            <a:off x="722313" y="2906713"/>
-            <a:ext cx="7772400" cy="1500187"/>
+            <a:off x="963084" y="2906713"/>
+            <a:ext cx="10363200" cy="1500187"/>
           </a:xfrm>
         </p:spPr>
         <p:txBody>
@@ -1509,7 +1530,7 @@
           <a:p>
             <a:fld id="{1746D216-440C-944C-B16E-24685969B020}" type="datetimeFigureOut">
               <a:rPr lang="en-US" smtClean="0"/>
-              <a:t>5/2/17</a:t>
+              <a:t>5/2/2017</a:t>
             </a:fld>
             <a:endParaRPr lang="en-US"/>
           </a:p>
@@ -1622,8 +1643,8 @@
         </p:nvSpPr>
         <p:spPr>
           <a:xfrm>
-            <a:off x="457200" y="1600200"/>
-            <a:ext cx="4038600" cy="4525963"/>
+            <a:off x="609600" y="1600201"/>
+            <a:ext cx="5384800" cy="4525963"/>
           </a:xfrm>
         </p:spPr>
         <p:txBody>
@@ -1707,8 +1728,8 @@
         </p:nvSpPr>
         <p:spPr>
           <a:xfrm>
-            <a:off x="4648200" y="1600200"/>
-            <a:ext cx="4038600" cy="4525963"/>
+            <a:off x="6197600" y="1600201"/>
+            <a:ext cx="5384800" cy="4525963"/>
           </a:xfrm>
         </p:spPr>
         <p:txBody>
@@ -1797,7 +1818,7 @@
           <a:p>
             <a:fld id="{1746D216-440C-944C-B16E-24685969B020}" type="datetimeFigureOut">
               <a:rPr lang="en-US" smtClean="0"/>
-              <a:t>5/2/17</a:t>
+              <a:t>5/2/2017</a:t>
             </a:fld>
             <a:endParaRPr lang="en-US"/>
           </a:p>
@@ -1914,8 +1935,8 @@
         </p:nvSpPr>
         <p:spPr>
           <a:xfrm>
-            <a:off x="457200" y="1535113"/>
-            <a:ext cx="4040188" cy="639762"/>
+            <a:off x="609600" y="1535113"/>
+            <a:ext cx="5386917" cy="639762"/>
           </a:xfrm>
         </p:spPr>
         <p:txBody>
@@ -1979,8 +2000,8 @@
         </p:nvSpPr>
         <p:spPr>
           <a:xfrm>
-            <a:off x="457200" y="2174875"/>
-            <a:ext cx="4040188" cy="3951288"/>
+            <a:off x="609600" y="2174875"/>
+            <a:ext cx="5386917" cy="3951288"/>
           </a:xfrm>
         </p:spPr>
         <p:txBody>
@@ -2064,8 +2085,8 @@
         </p:nvSpPr>
         <p:spPr>
           <a:xfrm>
-            <a:off x="4645025" y="1535113"/>
-            <a:ext cx="4041775" cy="639762"/>
+            <a:off x="6193368" y="1535113"/>
+            <a:ext cx="5389033" cy="639762"/>
           </a:xfrm>
         </p:spPr>
         <p:txBody>
@@ -2129,8 +2150,8 @@
         </p:nvSpPr>
         <p:spPr>
           <a:xfrm>
-            <a:off x="4645025" y="2174875"/>
-            <a:ext cx="4041775" cy="3951288"/>
+            <a:off x="6193368" y="2174875"/>
+            <a:ext cx="5389033" cy="3951288"/>
           </a:xfrm>
         </p:spPr>
         <p:txBody>
@@ -2219,7 +2240,7 @@
           <a:p>
             <a:fld id="{1746D216-440C-944C-B16E-24685969B020}" type="datetimeFigureOut">
               <a:rPr lang="en-US" smtClean="0"/>
-              <a:t>5/2/17</a:t>
+              <a:t>5/2/2017</a:t>
             </a:fld>
             <a:endParaRPr lang="en-US"/>
           </a:p>
@@ -2337,7 +2358,7 @@
           <a:p>
             <a:fld id="{1746D216-440C-944C-B16E-24685969B020}" type="datetimeFigureOut">
               <a:rPr lang="en-US" smtClean="0"/>
-              <a:t>5/2/17</a:t>
+              <a:t>5/2/2017</a:t>
             </a:fld>
             <a:endParaRPr lang="en-US"/>
           </a:p>
@@ -2432,7 +2453,7 @@
           <a:p>
             <a:fld id="{1746D216-440C-944C-B16E-24685969B020}" type="datetimeFigureOut">
               <a:rPr lang="en-US" smtClean="0"/>
-              <a:t>5/2/17</a:t>
+              <a:t>5/2/2017</a:t>
             </a:fld>
             <a:endParaRPr lang="en-US"/>
           </a:p>
@@ -2522,8 +2543,8 @@
         </p:nvSpPr>
         <p:spPr>
           <a:xfrm>
-            <a:off x="457200" y="273050"/>
-            <a:ext cx="3008313" cy="1162050"/>
+            <a:off x="609601" y="273050"/>
+            <a:ext cx="4011084" cy="1162050"/>
           </a:xfrm>
         </p:spPr>
         <p:txBody>
@@ -2554,8 +2575,8 @@
         </p:nvSpPr>
         <p:spPr>
           <a:xfrm>
-            <a:off x="3575050" y="273050"/>
-            <a:ext cx="5111750" cy="5853113"/>
+            <a:off x="4766733" y="273051"/>
+            <a:ext cx="6815667" cy="5853113"/>
           </a:xfrm>
         </p:spPr>
         <p:txBody>
@@ -2639,8 +2660,8 @@
         </p:nvSpPr>
         <p:spPr>
           <a:xfrm>
-            <a:off x="457200" y="1435100"/>
-            <a:ext cx="3008313" cy="4691063"/>
+            <a:off x="609601" y="1435101"/>
+            <a:ext cx="4011084" cy="4691063"/>
           </a:xfrm>
         </p:spPr>
         <p:txBody>
@@ -2709,7 +2730,7 @@
           <a:p>
             <a:fld id="{1746D216-440C-944C-B16E-24685969B020}" type="datetimeFigureOut">
               <a:rPr lang="en-US" smtClean="0"/>
-              <a:t>5/2/17</a:t>
+              <a:t>5/2/2017</a:t>
             </a:fld>
             <a:endParaRPr lang="en-US"/>
           </a:p>
@@ -2799,8 +2820,8 @@
         </p:nvSpPr>
         <p:spPr>
           <a:xfrm>
-            <a:off x="1792288" y="4800600"/>
-            <a:ext cx="5486400" cy="566738"/>
+            <a:off x="2389717" y="4800600"/>
+            <a:ext cx="7315200" cy="566738"/>
           </a:xfrm>
         </p:spPr>
         <p:txBody>
@@ -2831,8 +2852,8 @@
         </p:nvSpPr>
         <p:spPr>
           <a:xfrm>
-            <a:off x="1792288" y="612775"/>
-            <a:ext cx="5486400" cy="4114800"/>
+            <a:off x="2389717" y="612775"/>
+            <a:ext cx="7315200" cy="4114800"/>
           </a:xfrm>
         </p:spPr>
         <p:txBody>
@@ -2892,8 +2913,8 @@
         </p:nvSpPr>
         <p:spPr>
           <a:xfrm>
-            <a:off x="1792288" y="5367338"/>
-            <a:ext cx="5486400" cy="804862"/>
+            <a:off x="2389717" y="5367338"/>
+            <a:ext cx="7315200" cy="804862"/>
           </a:xfrm>
         </p:spPr>
         <p:txBody>
@@ -2962,7 +2983,7 @@
           <a:p>
             <a:fld id="{1746D216-440C-944C-B16E-24685969B020}" type="datetimeFigureOut">
               <a:rPr lang="en-US" smtClean="0"/>
-              <a:t>5/2/17</a:t>
+              <a:t>5/2/2017</a:t>
             </a:fld>
             <a:endParaRPr lang="en-US"/>
           </a:p>
@@ -3057,8 +3078,8 @@
         </p:nvSpPr>
         <p:spPr>
           <a:xfrm>
-            <a:off x="457200" y="274638"/>
-            <a:ext cx="8229600" cy="1143000"/>
+            <a:off x="609600" y="274638"/>
+            <a:ext cx="10972800" cy="1143000"/>
           </a:xfrm>
           <a:prstGeom prst="rect">
             <a:avLst/>
@@ -3090,8 +3111,8 @@
         </p:nvSpPr>
         <p:spPr>
           <a:xfrm>
-            <a:off x="457200" y="1600200"/>
-            <a:ext cx="8229600" cy="4525963"/>
+            <a:off x="609600" y="1600201"/>
+            <a:ext cx="10972800" cy="4525963"/>
           </a:xfrm>
           <a:prstGeom prst="rect">
             <a:avLst/>
@@ -3152,8 +3173,8 @@
         </p:nvSpPr>
         <p:spPr>
           <a:xfrm>
-            <a:off x="457200" y="6356350"/>
-            <a:ext cx="2133600" cy="365125"/>
+            <a:off x="609600" y="6356351"/>
+            <a:ext cx="2844800" cy="365125"/>
           </a:xfrm>
           <a:prstGeom prst="rect">
             <a:avLst/>
@@ -3175,7 +3196,7 @@
           <a:p>
             <a:fld id="{1746D216-440C-944C-B16E-24685969B020}" type="datetimeFigureOut">
               <a:rPr lang="en-US" smtClean="0"/>
-              <a:t>5/2/17</a:t>
+              <a:t>5/2/2017</a:t>
             </a:fld>
             <a:endParaRPr lang="en-US"/>
           </a:p>
@@ -3193,8 +3214,8 @@
         </p:nvSpPr>
         <p:spPr>
           <a:xfrm>
-            <a:off x="3124200" y="6356350"/>
-            <a:ext cx="2895600" cy="365125"/>
+            <a:off x="4165600" y="6356351"/>
+            <a:ext cx="3860800" cy="365125"/>
           </a:xfrm>
           <a:prstGeom prst="rect">
             <a:avLst/>
@@ -3230,8 +3251,8 @@
         </p:nvSpPr>
         <p:spPr>
           <a:xfrm>
-            <a:off x="6553200" y="6356350"/>
-            <a:ext cx="2133600" cy="365125"/>
+            <a:off x="8737600" y="6356351"/>
+            <a:ext cx="2844800" cy="365125"/>
           </a:xfrm>
           <a:prstGeom prst="rect">
             <a:avLst/>
@@ -3552,44 +3573,13 @@
       </p:grpSpPr>
       <p:sp>
         <p:nvSpPr>
-          <p:cNvPr id="4" name="TextBox 3"/>
-          <p:cNvSpPr txBox="1"/>
-          <p:nvPr/>
-        </p:nvSpPr>
-        <p:spPr>
-          <a:xfrm>
-            <a:off x="2354622" y="608571"/>
-            <a:ext cx="4457907" cy="369332"/>
-          </a:xfrm>
-          <a:prstGeom prst="rect">
-            <a:avLst/>
-          </a:prstGeom>
-          <a:noFill/>
-        </p:spPr>
-        <p:txBody>
-          <a:bodyPr wrap="square" rtlCol="0">
-            <a:spAutoFit/>
-          </a:bodyPr>
-          <a:lstStyle/>
-          <a:p>
-            <a:pPr algn="ctr"/>
-            <a:r>
-              <a:rPr lang="en-US" dirty="0" smtClean="0"/>
-              <a:t>Imitation GUI Flow</a:t>
-            </a:r>
-            <a:endParaRPr lang="en-US" dirty="0"/>
-          </a:p>
-        </p:txBody>
-      </p:sp>
-      <p:sp>
-        <p:nvSpPr>
           <p:cNvPr id="5" name="Rounded Rectangle 4"/>
           <p:cNvSpPr/>
           <p:nvPr/>
         </p:nvSpPr>
         <p:spPr>
           <a:xfrm>
-            <a:off x="367856" y="3100890"/>
+            <a:off x="3263080" y="2937928"/>
             <a:ext cx="1986766" cy="687916"/>
           </a:xfrm>
           <a:prstGeom prst="roundRect">
@@ -3616,10 +3606,9 @@
           <a:p>
             <a:pPr algn="ctr"/>
             <a:r>
-              <a:rPr lang="en-US" dirty="0" smtClean="0"/>
-              <a:t>Generate XML (Optional Step)</a:t>
-            </a:r>
-            <a:endParaRPr lang="en-US" dirty="0"/>
+              <a:rPr lang="en-US" dirty="0"/>
+              <a:t>Generate XML (Optional)</a:t>
+            </a:r>
           </a:p>
         </p:txBody>
       </p:sp>
@@ -3631,7 +3620,7 @@
         </p:nvSpPr>
         <p:spPr>
           <a:xfrm>
-            <a:off x="3028500" y="3100890"/>
+            <a:off x="5905613" y="2937928"/>
             <a:ext cx="1507955" cy="687916"/>
           </a:xfrm>
           <a:prstGeom prst="roundRect">
@@ -3658,10 +3647,9 @@
           <a:p>
             <a:pPr algn="ctr"/>
             <a:r>
-              <a:rPr lang="en-US" dirty="0" smtClean="0"/>
-              <a:t>Insert XML</a:t>
-            </a:r>
-            <a:endParaRPr lang="en-US" dirty="0"/>
+              <a:rPr lang="en-US" dirty="0"/>
+              <a:t>Insert Recording</a:t>
+            </a:r>
           </a:p>
         </p:txBody>
       </p:sp>
@@ -3673,8 +3661,8 @@
         </p:nvSpPr>
         <p:spPr>
           <a:xfrm>
-            <a:off x="4995330" y="4497924"/>
-            <a:ext cx="2018276" cy="645577"/>
+            <a:off x="7706505" y="4334963"/>
+            <a:ext cx="2403241" cy="645577"/>
           </a:xfrm>
           <a:prstGeom prst="roundRect">
             <a:avLst/>
@@ -3700,8 +3688,12 @@
           <a:p>
             <a:pPr algn="ctr"/>
             <a:r>
+              <a:rPr lang="en-US" dirty="0"/>
+              <a:t>Insert </a:t>
+            </a:r>
+            <a:r>
               <a:rPr lang="en-US" dirty="0" smtClean="0"/>
-              <a:t>Create Custom Causal Knowledge</a:t>
+              <a:t>Knowledge Base</a:t>
             </a:r>
             <a:endParaRPr lang="en-US" dirty="0"/>
           </a:p>
@@ -3715,7 +3707,7 @@
         </p:nvSpPr>
         <p:spPr>
           <a:xfrm>
-            <a:off x="5016498" y="1820330"/>
+            <a:off x="7893610" y="1657368"/>
             <a:ext cx="1979086" cy="571504"/>
           </a:xfrm>
           <a:prstGeom prst="roundRect">
@@ -3743,49 +3735,7 @@
             <a:pPr algn="ctr"/>
             <a:r>
               <a:rPr lang="en-US" dirty="0" smtClean="0"/>
-              <a:t>Insert Causal Knowledge</a:t>
-            </a:r>
-            <a:endParaRPr lang="en-US" dirty="0"/>
-          </a:p>
-        </p:txBody>
-      </p:sp>
-      <p:sp>
-        <p:nvSpPr>
-          <p:cNvPr id="9" name="Rounded Rectangle 8"/>
-          <p:cNvSpPr/>
-          <p:nvPr/>
-        </p:nvSpPr>
-        <p:spPr>
-          <a:xfrm>
-            <a:off x="7476718" y="3100890"/>
-            <a:ext cx="1507955" cy="687916"/>
-          </a:xfrm>
-          <a:prstGeom prst="roundRect">
-            <a:avLst/>
-          </a:prstGeom>
-        </p:spPr>
-        <p:style>
-          <a:lnRef idx="1">
-            <a:schemeClr val="accent1"/>
-          </a:lnRef>
-          <a:fillRef idx="3">
-            <a:schemeClr val="accent1"/>
-          </a:fillRef>
-          <a:effectRef idx="2">
-            <a:schemeClr val="accent1"/>
-          </a:effectRef>
-          <a:fontRef idx="minor">
-            <a:schemeClr val="lt1"/>
-          </a:fontRef>
-        </p:style>
-        <p:txBody>
-          <a:bodyPr rtlCol="0" anchor="ctr"/>
-          <a:lstStyle/>
-          <a:p>
-            <a:pPr algn="ctr"/>
-            <a:r>
-              <a:rPr lang="en-US" dirty="0" smtClean="0"/>
-              <a:t>Insert Recording</a:t>
+              <a:t>Build Custom Knowledge Base</a:t>
             </a:r>
             <a:endParaRPr lang="en-US" dirty="0"/>
           </a:p>
@@ -3799,7 +3749,7 @@
         </p:nvSpPr>
         <p:spPr>
           <a:xfrm>
-            <a:off x="5122331" y="2423583"/>
+            <a:off x="7999443" y="2269674"/>
             <a:ext cx="1753696" cy="2032000"/>
           </a:xfrm>
           <a:prstGeom prst="upDownArrowCallout">
@@ -3831,10 +3781,9 @@
           <a:p>
             <a:pPr algn="ctr"/>
             <a:r>
-              <a:rPr lang="en-US" dirty="0" smtClean="0"/>
+              <a:rPr lang="en-US" dirty="0"/>
               <a:t>OR</a:t>
             </a:r>
-            <a:endParaRPr lang="en-US" dirty="0"/>
           </a:p>
         </p:txBody>
       </p:sp>
@@ -3849,8 +3798,8 @@
         </p:nvCxnSpPr>
         <p:spPr>
           <a:xfrm>
-            <a:off x="2354622" y="3444848"/>
-            <a:ext cx="673878" cy="0"/>
+            <a:off x="5249846" y="3281886"/>
+            <a:ext cx="655766" cy="0"/>
           </a:xfrm>
           <a:prstGeom prst="straightConnector1">
             <a:avLst/>
@@ -3884,9 +3833,9 @@
           <p:nvPr/>
         </p:nvCxnSpPr>
         <p:spPr>
-          <a:xfrm flipV="1">
-            <a:off x="4536455" y="3439583"/>
-            <a:ext cx="585876" cy="5265"/>
+          <a:xfrm>
+            <a:off x="7413567" y="3281886"/>
+            <a:ext cx="585876" cy="3788"/>
           </a:xfrm>
           <a:prstGeom prst="straightConnector1">
             <a:avLst/>
@@ -3910,19 +3859,134 @@
           </a:fontRef>
         </p:style>
       </p:cxnSp>
+      <p:sp>
+        <p:nvSpPr>
+          <p:cNvPr id="14" name="Rounded Rectangle 13"/>
+          <p:cNvSpPr/>
+          <p:nvPr/>
+        </p:nvSpPr>
+        <p:spPr>
+          <a:xfrm>
+            <a:off x="1081248" y="2942385"/>
+            <a:ext cx="1507955" cy="687916"/>
+          </a:xfrm>
+          <a:prstGeom prst="roundRect">
+            <a:avLst/>
+          </a:prstGeom>
+        </p:spPr>
+        <p:style>
+          <a:lnRef idx="1">
+            <a:schemeClr val="accent1"/>
+          </a:lnRef>
+          <a:fillRef idx="3">
+            <a:schemeClr val="accent1"/>
+          </a:fillRef>
+          <a:effectRef idx="2">
+            <a:schemeClr val="accent1"/>
+          </a:effectRef>
+          <a:fontRef idx="minor">
+            <a:schemeClr val="lt1"/>
+          </a:fontRef>
+        </p:style>
+        <p:txBody>
+          <a:bodyPr rtlCol="0" anchor="ctr"/>
+          <a:lstStyle/>
+          <a:p>
+            <a:pPr algn="ctr"/>
+            <a:r>
+              <a:rPr lang="en-US" dirty="0"/>
+              <a:t>Name Task</a:t>
+            </a:r>
+          </a:p>
+        </p:txBody>
+      </p:sp>
       <p:cxnSp>
         <p:nvCxnSpPr>
-          <p:cNvPr id="17" name="Straight Arrow Connector 16"/>
+          <p:cNvPr id="16" name="Straight Arrow Connector 15"/>
+          <p:cNvCxnSpPr/>
+          <p:nvPr/>
+        </p:nvCxnSpPr>
+        <p:spPr>
+          <a:xfrm>
+            <a:off x="2589202" y="3285674"/>
+            <a:ext cx="673878" cy="0"/>
+          </a:xfrm>
+          <a:prstGeom prst="straightConnector1">
+            <a:avLst/>
+          </a:prstGeom>
+          <a:ln>
+            <a:tailEnd type="arrow"/>
+          </a:ln>
+        </p:spPr>
+        <p:style>
+          <a:lnRef idx="2">
+            <a:schemeClr val="accent1"/>
+          </a:lnRef>
+          <a:fillRef idx="0">
+            <a:schemeClr val="accent1"/>
+          </a:fillRef>
+          <a:effectRef idx="1">
+            <a:schemeClr val="accent1"/>
+          </a:effectRef>
+          <a:fontRef idx="minor">
+            <a:schemeClr val="tx1"/>
+          </a:fontRef>
+        </p:style>
+      </p:cxnSp>
+      <p:sp>
+        <p:nvSpPr>
+          <p:cNvPr id="20" name="Rounded Rectangle 19"/>
+          <p:cNvSpPr/>
+          <p:nvPr/>
+        </p:nvSpPr>
+        <p:spPr>
+          <a:xfrm>
+            <a:off x="10371943" y="2937928"/>
+            <a:ext cx="1507955" cy="687916"/>
+          </a:xfrm>
+          <a:prstGeom prst="roundRect">
+            <a:avLst/>
+          </a:prstGeom>
+        </p:spPr>
+        <p:style>
+          <a:lnRef idx="1">
+            <a:schemeClr val="accent1"/>
+          </a:lnRef>
+          <a:fillRef idx="3">
+            <a:schemeClr val="accent1"/>
+          </a:fillRef>
+          <a:effectRef idx="2">
+            <a:schemeClr val="accent1"/>
+          </a:effectRef>
+          <a:fontRef idx="minor">
+            <a:schemeClr val="lt1"/>
+          </a:fontRef>
+        </p:style>
+        <p:txBody>
+          <a:bodyPr rtlCol="0" anchor="ctr"/>
+          <a:lstStyle/>
+          <a:p>
+            <a:pPr algn="ctr"/>
+            <a:r>
+              <a:rPr lang="en-US" dirty="0"/>
+              <a:t>Insert Initial XML State</a:t>
+            </a:r>
+          </a:p>
+        </p:txBody>
+      </p:sp>
+      <p:cxnSp>
+        <p:nvCxnSpPr>
+          <p:cNvPr id="21" name="Straight Arrow Connector 20"/>
           <p:cNvCxnSpPr>
             <a:stCxn id="11" idx="3"/>
-            <a:endCxn id="9" idx="1"/>
+            <a:endCxn id="20" idx="1"/>
           </p:cNvCxnSpPr>
           <p:nvPr/>
         </p:nvCxnSpPr>
         <p:spPr>
-          <a:xfrm>
-            <a:off x="6876027" y="3439583"/>
-            <a:ext cx="600691" cy="5265"/>
+          <a:xfrm flipV="1">
+            <a:off x="9753140" y="3281886"/>
+            <a:ext cx="618803" cy="3788"/>
           </a:xfrm>
           <a:prstGeom prst="straightConnector1">
             <a:avLst/>
